--- a/workshop-presentation.pptx
+++ b/workshop-presentation.pptx
@@ -3925,7 +3925,7 @@
                 <a:ea typeface="Helvetica" charset="0"/>
                 <a:cs typeface="Helvetica" charset="0"/>
               </a:rPr>
-              <a:t>Did they attend nursery, do they want to pursue higher education, do they receive grinds</a:t>
+              <a:t>Did they attend pre-school, do they want to pursue higher education, do they receive grinds</a:t>
             </a:r>
           </a:p>
           <a:p>
@@ -4373,18 +4373,175 @@
                 <a:ea typeface="Helvetica" charset="0"/>
                 <a:cs typeface="Helvetica" charset="0"/>
               </a:rPr>
-              <a:t>(0 – 5), (6 – 10), (11 – 15), (16 – 20)</a:t>
+              <a:t>(0 – 2), (3 – 5), (6 – 8), (9 – 11), (12 – 14), (15 – 17), (18 – 20)</a:t>
             </a:r>
           </a:p>
           <a:p>
             <a:pPr lvl="2"/>
+            <a:endParaRPr lang="en-US" dirty="0">
+              <a:latin typeface="Helvetica" charset="0"/>
+              <a:ea typeface="Helvetica" charset="0"/>
+              <a:cs typeface="Helvetica" charset="0"/>
+            </a:endParaRPr>
+          </a:p>
+          <a:p>
+            <a:pPr lvl="1"/>
+            <a:r>
+              <a:rPr lang="en-US" dirty="0">
+                <a:latin typeface="Helvetica" charset="0"/>
+                <a:ea typeface="Helvetica" charset="0"/>
+                <a:cs typeface="Helvetica" charset="0"/>
+              </a:rPr>
+              <a:t>It is much easier to predict a student falling into the 4</a:t>
+            </a:r>
+            <a:r>
+              <a:rPr lang="en-US" baseline="30000" dirty="0">
+                <a:latin typeface="Helvetica" charset="0"/>
+                <a:ea typeface="Helvetica" charset="0"/>
+                <a:cs typeface="Helvetica" charset="0"/>
+              </a:rPr>
+              <a:t>th</a:t>
+            </a:r>
+            <a:r>
+              <a:rPr lang="en-US" dirty="0">
+                <a:latin typeface="Helvetica" charset="0"/>
+                <a:ea typeface="Helvetica" charset="0"/>
+                <a:cs typeface="Helvetica" charset="0"/>
+              </a:rPr>
+              <a:t> and 5</a:t>
+            </a:r>
+            <a:r>
+              <a:rPr lang="en-US" baseline="30000" dirty="0">
+                <a:latin typeface="Helvetica" charset="0"/>
+                <a:ea typeface="Helvetica" charset="0"/>
+                <a:cs typeface="Helvetica" charset="0"/>
+              </a:rPr>
+              <a:t>th</a:t>
+            </a:r>
+            <a:r>
+              <a:rPr lang="en-US" dirty="0">
+                <a:latin typeface="Helvetica" charset="0"/>
+                <a:ea typeface="Helvetica" charset="0"/>
+                <a:cs typeface="Helvetica" charset="0"/>
+              </a:rPr>
+              <a:t> brackets as </a:t>
+            </a:r>
             <a:r>
               <a:rPr lang="en-US" dirty="0" smtClean="0">
                 <a:latin typeface="Helvetica" charset="0"/>
                 <a:ea typeface="Helvetica" charset="0"/>
                 <a:cs typeface="Helvetica" charset="0"/>
               </a:rPr>
-              <a:t>Approximately 60% of students fall into the third bracket (11 – 15)</a:t>
+              <a:t>opposed to the 1</a:t>
+            </a:r>
+            <a:r>
+              <a:rPr lang="en-US" baseline="30000" dirty="0" smtClean="0">
+                <a:latin typeface="Helvetica" charset="0"/>
+                <a:ea typeface="Helvetica" charset="0"/>
+                <a:cs typeface="Helvetica" charset="0"/>
+              </a:rPr>
+              <a:t>st</a:t>
+            </a:r>
+            <a:r>
+              <a:rPr lang="en-US" dirty="0" smtClean="0">
+                <a:latin typeface="Helvetica" charset="0"/>
+                <a:ea typeface="Helvetica" charset="0"/>
+                <a:cs typeface="Helvetica" charset="0"/>
+              </a:rPr>
+              <a:t> and 7</a:t>
+            </a:r>
+            <a:r>
+              <a:rPr lang="en-US" baseline="30000" dirty="0" smtClean="0">
+                <a:latin typeface="Helvetica" charset="0"/>
+                <a:ea typeface="Helvetica" charset="0"/>
+                <a:cs typeface="Helvetica" charset="0"/>
+              </a:rPr>
+              <a:t>th</a:t>
+            </a:r>
+            <a:r>
+              <a:rPr lang="en-US" dirty="0" smtClean="0">
+                <a:latin typeface="Helvetica" charset="0"/>
+                <a:ea typeface="Helvetica" charset="0"/>
+                <a:cs typeface="Helvetica" charset="0"/>
+              </a:rPr>
+              <a:t> brackets</a:t>
+            </a:r>
+          </a:p>
+          <a:p>
+            <a:pPr marL="201168" lvl="1" indent="0">
+              <a:buNone/>
+            </a:pPr>
+            <a:endParaRPr lang="en-US" dirty="0">
+              <a:latin typeface="Helvetica" charset="0"/>
+              <a:ea typeface="Helvetica" charset="0"/>
+              <a:cs typeface="Helvetica" charset="0"/>
+            </a:endParaRPr>
+          </a:p>
+          <a:p>
+            <a:pPr lvl="1"/>
+            <a:r>
+              <a:rPr lang="en-US" dirty="0" smtClean="0">
+                <a:latin typeface="Helvetica" charset="0"/>
+                <a:ea typeface="Helvetica" charset="0"/>
+                <a:cs typeface="Helvetica" charset="0"/>
+              </a:rPr>
+              <a:t>Based </a:t>
+            </a:r>
+            <a:r>
+              <a:rPr lang="en-US" dirty="0">
+                <a:latin typeface="Helvetica" charset="0"/>
+                <a:ea typeface="Helvetica" charset="0"/>
+                <a:cs typeface="Helvetica" charset="0"/>
+              </a:rPr>
+              <a:t>on our analysis of the dispersion of some of these metrics, we have identified some key </a:t>
+            </a:r>
+            <a:r>
+              <a:rPr lang="en-US">
+                <a:latin typeface="Helvetica" charset="0"/>
+                <a:ea typeface="Helvetica" charset="0"/>
+                <a:cs typeface="Helvetica" charset="0"/>
+              </a:rPr>
+              <a:t>attributes </a:t>
+            </a:r>
+            <a:r>
+              <a:rPr lang="en-US" smtClean="0">
+                <a:latin typeface="Helvetica" charset="0"/>
+                <a:ea typeface="Helvetica" charset="0"/>
+                <a:cs typeface="Helvetica" charset="0"/>
+              </a:rPr>
+              <a:t>which </a:t>
+            </a:r>
+            <a:r>
+              <a:rPr lang="en-US">
+                <a:latin typeface="Helvetica" charset="0"/>
+                <a:ea typeface="Helvetica" charset="0"/>
+                <a:cs typeface="Helvetica" charset="0"/>
+              </a:rPr>
+              <a:t>will </a:t>
+            </a:r>
+            <a:r>
+              <a:rPr lang="en-US" smtClean="0">
+                <a:latin typeface="Helvetica" charset="0"/>
+                <a:ea typeface="Helvetica" charset="0"/>
+                <a:cs typeface="Helvetica" charset="0"/>
+              </a:rPr>
+              <a:t>be central </a:t>
+            </a:r>
+            <a:r>
+              <a:rPr lang="en-US" dirty="0">
+                <a:latin typeface="Helvetica" charset="0"/>
+                <a:ea typeface="Helvetica" charset="0"/>
+                <a:cs typeface="Helvetica" charset="0"/>
+              </a:rPr>
+              <a:t>to our prediction </a:t>
+            </a:r>
+            <a:r>
+              <a:rPr lang="en-US" dirty="0" smtClean="0">
+                <a:latin typeface="Helvetica" charset="0"/>
+                <a:ea typeface="Helvetica" charset="0"/>
+                <a:cs typeface="Helvetica" charset="0"/>
+              </a:rPr>
+              <a:t>algorithm</a:t>
             </a:r>
             <a:endParaRPr lang="en-US" dirty="0">
               <a:latin typeface="Helvetica" charset="0"/>
